--- a/Design_Pattern_Final.pptx
+++ b/Design_Pattern_Final.pptx
@@ -5,7 +5,7 @@
     <p:sldMasterId id="2147483662" r:id="rId1"/>
   </p:sldMasterIdLst>
   <p:notesMasterIdLst>
-    <p:notesMasterId r:id="rId10"/>
+    <p:notesMasterId r:id="rId11"/>
   </p:notesMasterIdLst>
   <p:sldIdLst>
     <p:sldId id="256" r:id="rId2"/>
@@ -15,43 +15,44 @@
     <p:sldId id="262" r:id="rId6"/>
     <p:sldId id="265" r:id="rId7"/>
     <p:sldId id="274" r:id="rId8"/>
-    <p:sldId id="272" r:id="rId9"/>
+    <p:sldId id="276" r:id="rId9"/>
+    <p:sldId id="272" r:id="rId10"/>
   </p:sldIdLst>
   <p:sldSz cx="12192000" cy="6858000"/>
   <p:notesSz cx="6858000" cy="9144000"/>
   <p:embeddedFontLst>
     <p:embeddedFont>
       <p:font typeface="Georgia" panose="02040502050405020303" pitchFamily="18" charset="0"/>
-      <p:regular r:id="rId11"/>
-      <p:bold r:id="rId12"/>
-      <p:italic r:id="rId13"/>
-      <p:boldItalic r:id="rId14"/>
+      <p:regular r:id="rId12"/>
+      <p:bold r:id="rId13"/>
+      <p:italic r:id="rId14"/>
+      <p:boldItalic r:id="rId15"/>
     </p:embeddedFont>
     <p:embeddedFont>
       <p:font typeface="Roboto" panose="02000000000000000000" pitchFamily="2" charset="0"/>
-      <p:regular r:id="rId15"/>
-      <p:bold r:id="rId16"/>
-      <p:italic r:id="rId17"/>
-      <p:boldItalic r:id="rId18"/>
+      <p:regular r:id="rId16"/>
+      <p:bold r:id="rId17"/>
+      <p:italic r:id="rId18"/>
+      <p:boldItalic r:id="rId19"/>
     </p:embeddedFont>
     <p:embeddedFont>
       <p:font typeface="Roboto Slab" pitchFamily="2" charset="0"/>
-      <p:regular r:id="rId19"/>
-      <p:bold r:id="rId20"/>
+      <p:regular r:id="rId20"/>
+      <p:bold r:id="rId21"/>
     </p:embeddedFont>
     <p:embeddedFont>
       <p:font typeface="Rockwell" panose="02060603020205020403" pitchFamily="18" charset="0"/>
-      <p:regular r:id="rId21"/>
-      <p:bold r:id="rId22"/>
-      <p:italic r:id="rId23"/>
-      <p:boldItalic r:id="rId24"/>
+      <p:regular r:id="rId22"/>
+      <p:bold r:id="rId23"/>
+      <p:italic r:id="rId24"/>
+      <p:boldItalic r:id="rId25"/>
     </p:embeddedFont>
     <p:embeddedFont>
       <p:font typeface="Trebuchet MS" panose="020B0603020202020204" pitchFamily="34" charset="0"/>
-      <p:regular r:id="rId25"/>
-      <p:bold r:id="rId26"/>
-      <p:italic r:id="rId27"/>
-      <p:boldItalic r:id="rId28"/>
+      <p:regular r:id="rId26"/>
+      <p:bold r:id="rId27"/>
+      <p:italic r:id="rId28"/>
+      <p:boldItalic r:id="rId29"/>
     </p:embeddedFont>
   </p:embeddedFontLst>
   <p:defaultTextStyle>
@@ -283,6 +284,11 @@
       </a:defRPr>
     </a:lvl9pPr>
   </p:defaultTextStyle>
+  <p:extLst>
+    <p:ext uri="{EFAFB233-063F-42B5-8137-9DF3F51BA10A}">
+      <p15:sldGuideLst xmlns:p15="http://schemas.microsoft.com/office/powerpoint/2012/main"/>
+    </p:ext>
+  </p:extLst>
 </p:presentation>
 </file>
 
@@ -8987,7 +8993,7 @@
         <p:fade thruBlk="1"/>
       </p:transition>
     </mc:Choice>
-    <mc:Fallback xmlns:ahyp="http://schemas.microsoft.com/office/drawing/2018/hyperlinkcolor" xmlns:p15="http://schemas.microsoft.com/office/powerpoint/2012/main" xmlns:com="http://schemas.openxmlformats.org/drawingml/2006/compatibility" xmlns:pvml="urn:schemas-microsoft-com:office:powerpoint" xmlns:v="urn:schemas-microsoft-com:vml" xmlns:o="urn:schemas-microsoft-com:office:office" xmlns:dgm="http://schemas.openxmlformats.org/drawingml/2006/diagram" xmlns:c="http://schemas.openxmlformats.org/drawingml/2006/chart" xmlns:mv="urn:schemas-microsoft-com:mac:vml" xmlns="">
+    <mc:Fallback xmlns="" xmlns:mv="urn:schemas-microsoft-com:mac:vml" xmlns:c="http://schemas.openxmlformats.org/drawingml/2006/chart" xmlns:dgm="http://schemas.openxmlformats.org/drawingml/2006/diagram" xmlns:o="urn:schemas-microsoft-com:office:office" xmlns:v="urn:schemas-microsoft-com:vml" xmlns:pvml="urn:schemas-microsoft-com:office:powerpoint" xmlns:com="http://schemas.openxmlformats.org/drawingml/2006/compatibility" xmlns:p15="http://schemas.microsoft.com/office/powerpoint/2012/main" xmlns:ahyp="http://schemas.microsoft.com/office/drawing/2018/hyperlinkcolor">
       <p:transition spd="slow">
         <p:fade/>
       </p:transition>
@@ -9124,7 +9130,7 @@
         <p:fade thruBlk="1"/>
       </p:transition>
     </mc:Choice>
-    <mc:Fallback xmlns:ahyp="http://schemas.microsoft.com/office/drawing/2018/hyperlinkcolor" xmlns:p15="http://schemas.microsoft.com/office/powerpoint/2012/main" xmlns:com="http://schemas.openxmlformats.org/drawingml/2006/compatibility" xmlns:pvml="urn:schemas-microsoft-com:office:powerpoint" xmlns:v="urn:schemas-microsoft-com:vml" xmlns:o="urn:schemas-microsoft-com:office:office" xmlns:dgm="http://schemas.openxmlformats.org/drawingml/2006/diagram" xmlns:c="http://schemas.openxmlformats.org/drawingml/2006/chart" xmlns:mv="urn:schemas-microsoft-com:mac:vml" xmlns="">
+    <mc:Fallback xmlns="" xmlns:mv="urn:schemas-microsoft-com:mac:vml" xmlns:c="http://schemas.openxmlformats.org/drawingml/2006/chart" xmlns:dgm="http://schemas.openxmlformats.org/drawingml/2006/diagram" xmlns:o="urn:schemas-microsoft-com:office:office" xmlns:v="urn:schemas-microsoft-com:vml" xmlns:pvml="urn:schemas-microsoft-com:office:powerpoint" xmlns:com="http://schemas.openxmlformats.org/drawingml/2006/compatibility" xmlns:p15="http://schemas.microsoft.com/office/powerpoint/2012/main" xmlns:ahyp="http://schemas.microsoft.com/office/drawing/2018/hyperlinkcolor">
       <p:transition spd="slow">
         <p:fade/>
       </p:transition>
@@ -9260,13 +9266,13 @@
   <p:clrMapOvr>
     <a:masterClrMapping/>
   </p:clrMapOvr>
-  <mc:AlternateContent xmlns:mc="http://schemas.openxmlformats.org/markup-compatibility/2006">
-    <mc:Choice xmlns:p14="http://schemas.microsoft.com/office/powerpoint/2010/main" Requires="p14">
+  <mc:AlternateContent xmlns:mc="http://schemas.openxmlformats.org/markup-compatibility/2006" xmlns:p14="http://schemas.microsoft.com/office/powerpoint/2010/main">
+    <mc:Choice Requires="p14">
       <p:transition spd="slow" p14:dur="1500">
         <p:fade thruBlk="1"/>
       </p:transition>
     </mc:Choice>
-    <mc:Fallback>
+    <mc:Fallback xmlns="">
       <p:transition spd="slow">
         <p:fade thruBlk="1"/>
       </p:transition>
@@ -9403,7 +9409,7 @@
         <p:fade thruBlk="1"/>
       </p:transition>
     </mc:Choice>
-    <mc:Fallback xmlns:ahyp="http://schemas.microsoft.com/office/drawing/2018/hyperlinkcolor" xmlns:p15="http://schemas.microsoft.com/office/powerpoint/2012/main" xmlns:com="http://schemas.openxmlformats.org/drawingml/2006/compatibility" xmlns:pvml="urn:schemas-microsoft-com:office:powerpoint" xmlns:v="urn:schemas-microsoft-com:vml" xmlns:o="urn:schemas-microsoft-com:office:office" xmlns:dgm="http://schemas.openxmlformats.org/drawingml/2006/diagram" xmlns:c="http://schemas.openxmlformats.org/drawingml/2006/chart" xmlns:mv="urn:schemas-microsoft-com:mac:vml" xmlns="">
+    <mc:Fallback xmlns="" xmlns:mv="urn:schemas-microsoft-com:mac:vml" xmlns:c="http://schemas.openxmlformats.org/drawingml/2006/chart" xmlns:dgm="http://schemas.openxmlformats.org/drawingml/2006/diagram" xmlns:o="urn:schemas-microsoft-com:office:office" xmlns:v="urn:schemas-microsoft-com:vml" xmlns:pvml="urn:schemas-microsoft-com:office:powerpoint" xmlns:com="http://schemas.openxmlformats.org/drawingml/2006/compatibility" xmlns:p15="http://schemas.microsoft.com/office/powerpoint/2012/main" xmlns:ahyp="http://schemas.microsoft.com/office/drawing/2018/hyperlinkcolor">
       <p:transition spd="slow">
         <p:fade/>
       </p:transition>
@@ -9540,7 +9546,7 @@
         <p:fade thruBlk="1"/>
       </p:transition>
     </mc:Choice>
-    <mc:Fallback xmlns:ahyp="http://schemas.microsoft.com/office/drawing/2018/hyperlinkcolor" xmlns:p15="http://schemas.microsoft.com/office/powerpoint/2012/main" xmlns:com="http://schemas.openxmlformats.org/drawingml/2006/compatibility" xmlns:pvml="urn:schemas-microsoft-com:office:powerpoint" xmlns:v="urn:schemas-microsoft-com:vml" xmlns:o="urn:schemas-microsoft-com:office:office" xmlns:dgm="http://schemas.openxmlformats.org/drawingml/2006/diagram" xmlns:c="http://schemas.openxmlformats.org/drawingml/2006/chart" xmlns:mv="urn:schemas-microsoft-com:mac:vml" xmlns="">
+    <mc:Fallback xmlns="" xmlns:mv="urn:schemas-microsoft-com:mac:vml" xmlns:c="http://schemas.openxmlformats.org/drawingml/2006/chart" xmlns:dgm="http://schemas.openxmlformats.org/drawingml/2006/diagram" xmlns:o="urn:schemas-microsoft-com:office:office" xmlns:v="urn:schemas-microsoft-com:vml" xmlns:pvml="urn:schemas-microsoft-com:office:powerpoint" xmlns:com="http://schemas.openxmlformats.org/drawingml/2006/compatibility" xmlns:p15="http://schemas.microsoft.com/office/powerpoint/2012/main" xmlns:ahyp="http://schemas.microsoft.com/office/drawing/2018/hyperlinkcolor">
       <p:transition spd="slow">
         <p:fade/>
       </p:transition>
@@ -9676,13 +9682,13 @@
   <p:clrMapOvr>
     <a:masterClrMapping/>
   </p:clrMapOvr>
-  <mc:AlternateContent xmlns:mc="http://schemas.openxmlformats.org/markup-compatibility/2006">
-    <mc:Choice xmlns:p14="http://schemas.microsoft.com/office/powerpoint/2010/main" Requires="p14">
+  <mc:AlternateContent xmlns:mc="http://schemas.openxmlformats.org/markup-compatibility/2006" xmlns:p14="http://schemas.microsoft.com/office/powerpoint/2010/main">
+    <mc:Choice Requires="p14">
       <p:transition spd="slow" p14:dur="1500">
         <p:fade thruBlk="1"/>
       </p:transition>
     </mc:Choice>
-    <mc:Fallback>
+    <mc:Fallback xmlns="">
       <p:transition spd="slow">
         <p:fade thruBlk="1"/>
       </p:transition>
@@ -9692,6 +9698,69 @@
 </file>
 
 <file path=ppt/slides/slide8.xml><?xml version="1.0" encoding="utf-8"?>
+<p:sld xmlns:a="http://schemas.openxmlformats.org/drawingml/2006/main" xmlns:r="http://schemas.openxmlformats.org/officeDocument/2006/relationships" xmlns:p="http://schemas.openxmlformats.org/presentationml/2006/main">
+  <p:cSld>
+    <p:spTree>
+      <p:nvGrpSpPr>
+        <p:cNvPr id="1" name=""/>
+        <p:cNvGrpSpPr/>
+        <p:nvPr/>
+      </p:nvGrpSpPr>
+      <p:grpSpPr>
+        <a:xfrm>
+          <a:off x="0" y="0"/>
+          <a:ext cx="0" cy="0"/>
+          <a:chOff x="0" y="0"/>
+          <a:chExt cx="0" cy="0"/>
+        </a:xfrm>
+      </p:grpSpPr>
+      <p:sp>
+        <p:nvSpPr>
+          <p:cNvPr id="2" name="Title 1">
+            <a:extLst>
+              <a:ext uri="{FF2B5EF4-FFF2-40B4-BE49-F238E27FC236}">
+                <a16:creationId xmlns:a16="http://schemas.microsoft.com/office/drawing/2014/main" id="{6FE8BCDD-E8CB-BA8E-6F4E-512B16E4F21F}"/>
+              </a:ext>
+            </a:extLst>
+          </p:cNvPr>
+          <p:cNvSpPr>
+            <a:spLocks noGrp="1"/>
+          </p:cNvSpPr>
+          <p:nvPr>
+            <p:ph type="title"/>
+          </p:nvPr>
+        </p:nvSpPr>
+        <p:spPr>
+          <a:xfrm>
+            <a:off x="4844048" y="2743016"/>
+            <a:ext cx="1931102" cy="1609200"/>
+          </a:xfrm>
+        </p:spPr>
+        <p:txBody>
+          <a:bodyPr/>
+          <a:lstStyle/>
+          <a:p>
+            <a:r>
+              <a:rPr lang="en-US" dirty="0"/>
+              <a:t>DEMO</a:t>
+            </a:r>
+          </a:p>
+        </p:txBody>
+      </p:sp>
+    </p:spTree>
+    <p:extLst>
+      <p:ext uri="{BB962C8B-B14F-4D97-AF65-F5344CB8AC3E}">
+        <p14:creationId xmlns:p14="http://schemas.microsoft.com/office/powerpoint/2010/main" val="1956517636"/>
+      </p:ext>
+    </p:extLst>
+  </p:cSld>
+  <p:clrMapOvr>
+    <a:masterClrMapping/>
+  </p:clrMapOvr>
+</p:sld>
+</file>
+
+<file path=ppt/slides/slide9.xml><?xml version="1.0" encoding="utf-8"?>
 <p:sld xmlns:a="http://schemas.openxmlformats.org/drawingml/2006/main" xmlns:r="http://schemas.openxmlformats.org/officeDocument/2006/relationships" xmlns:p="http://schemas.openxmlformats.org/presentationml/2006/main">
   <p:cSld>
     <p:bg>
